--- a/doc/images/source/Navigation.pptx
+++ b/doc/images/source/Navigation.pptx
@@ -3361,8 +3361,8 @@
         </p:nvSpPr>
         <p:spPr>
           <a:xfrm>
-            <a:off x="3808072" y="0"/>
-            <a:ext cx="4849792" cy="6754958"/>
+            <a:off x="2567379" y="0"/>
+            <a:ext cx="6090486" cy="6754958"/>
           </a:xfrm>
           <a:prstGeom prst="rect">
             <a:avLst/>
@@ -3390,7 +3390,7 @@
           <a:lstStyle/>
           <a:p>
             <a:pPr algn="ctr"/>
-            <a:endParaRPr lang="en-GB"/>
+            <a:endParaRPr lang="en-GB" dirty="0"/>
           </a:p>
         </p:txBody>
       </p:sp>
@@ -3572,7 +3572,7 @@
           <p:nvPr/>
         </p:nvSpPr>
         <p:spPr>
-          <a:xfrm>
+          <a:xfrm flipH="1">
             <a:off x="6780486" y="3186682"/>
             <a:ext cx="520576" cy="484632"/>
           </a:xfrm>
@@ -3626,7 +3626,7 @@
           <p:nvPr/>
         </p:nvSpPr>
         <p:spPr>
-          <a:xfrm rot="5400000">
+          <a:xfrm rot="16200000" flipV="1">
             <a:off x="5010283" y="4417839"/>
             <a:ext cx="490442" cy="484632"/>
           </a:xfrm>
@@ -3680,7 +3680,7 @@
           <p:nvPr/>
         </p:nvSpPr>
         <p:spPr>
-          <a:xfrm rot="16200000">
+          <a:xfrm rot="5400000" flipV="1">
             <a:off x="5010283" y="1955526"/>
             <a:ext cx="490442" cy="484632"/>
           </a:xfrm>
@@ -3717,7 +3717,7 @@
           <a:lstStyle/>
           <a:p>
             <a:pPr algn="ctr"/>
-            <a:endParaRPr lang="en-GB"/>
+            <a:endParaRPr lang="en-GB" dirty="0"/>
           </a:p>
         </p:txBody>
       </p:sp>
@@ -3757,6 +3757,240 @@
           </a:prstGeom>
         </p:spPr>
       </p:pic>
+      <p:sp>
+        <p:nvSpPr>
+          <p:cNvPr id="3" name="TextBox 2">
+            <a:extLst>
+              <a:ext uri="{FF2B5EF4-FFF2-40B4-BE49-F238E27FC236}">
+                <a16:creationId xmlns:a16="http://schemas.microsoft.com/office/drawing/2014/main" id="{C8EC1AE8-1557-DD66-32CA-9C402E4A6C19}"/>
+              </a:ext>
+            </a:extLst>
+          </p:cNvPr>
+          <p:cNvSpPr txBox="1"/>
+          <p:nvPr/>
+        </p:nvSpPr>
+        <p:spPr>
+          <a:xfrm>
+            <a:off x="4456304" y="2059343"/>
+            <a:ext cx="556884" cy="276999"/>
+          </a:xfrm>
+          <a:prstGeom prst="rect">
+            <a:avLst/>
+          </a:prstGeom>
+          <a:noFill/>
+        </p:spPr>
+        <p:txBody>
+          <a:bodyPr wrap="none" rtlCol="0">
+            <a:spAutoFit/>
+          </a:bodyPr>
+          <a:lstStyle/>
+          <a:p>
+            <a:pPr algn="ctr"/>
+            <a:r>
+              <a:rPr lang="en-GB" sz="1200" dirty="0"/>
+              <a:t>Swipe</a:t>
+            </a:r>
+          </a:p>
+        </p:txBody>
+      </p:sp>
+      <p:sp>
+        <p:nvSpPr>
+          <p:cNvPr id="4" name="TextBox 3">
+            <a:extLst>
+              <a:ext uri="{FF2B5EF4-FFF2-40B4-BE49-F238E27FC236}">
+                <a16:creationId xmlns:a16="http://schemas.microsoft.com/office/drawing/2014/main" id="{95458090-4FFC-6C54-AB59-49E4482434DA}"/>
+              </a:ext>
+            </a:extLst>
+          </p:cNvPr>
+          <p:cNvSpPr txBox="1"/>
+          <p:nvPr/>
+        </p:nvSpPr>
+        <p:spPr>
+          <a:xfrm>
+            <a:off x="4456304" y="4521655"/>
+            <a:ext cx="556884" cy="276999"/>
+          </a:xfrm>
+          <a:prstGeom prst="rect">
+            <a:avLst/>
+          </a:prstGeom>
+          <a:noFill/>
+        </p:spPr>
+        <p:txBody>
+          <a:bodyPr wrap="none" rtlCol="0">
+            <a:spAutoFit/>
+          </a:bodyPr>
+          <a:lstStyle/>
+          <a:p>
+            <a:pPr algn="ctr"/>
+            <a:r>
+              <a:rPr lang="en-GB" sz="1200" dirty="0"/>
+              <a:t>Swipe</a:t>
+            </a:r>
+          </a:p>
+        </p:txBody>
+      </p:sp>
+      <p:sp>
+        <p:nvSpPr>
+          <p:cNvPr id="5" name="TextBox 4">
+            <a:extLst>
+              <a:ext uri="{FF2B5EF4-FFF2-40B4-BE49-F238E27FC236}">
+                <a16:creationId xmlns:a16="http://schemas.microsoft.com/office/drawing/2014/main" id="{5B7DA308-B857-777B-516F-A0695986D0E1}"/>
+              </a:ext>
+            </a:extLst>
+          </p:cNvPr>
+          <p:cNvSpPr txBox="1"/>
+          <p:nvPr/>
+        </p:nvSpPr>
+        <p:spPr>
+          <a:xfrm>
+            <a:off x="6762332" y="2909683"/>
+            <a:ext cx="556884" cy="276999"/>
+          </a:xfrm>
+          <a:prstGeom prst="rect">
+            <a:avLst/>
+          </a:prstGeom>
+          <a:noFill/>
+        </p:spPr>
+        <p:txBody>
+          <a:bodyPr wrap="none" rtlCol="0">
+            <a:spAutoFit/>
+          </a:bodyPr>
+          <a:lstStyle/>
+          <a:p>
+            <a:pPr algn="ctr"/>
+            <a:r>
+              <a:rPr lang="en-GB" sz="1200" dirty="0"/>
+              <a:t>Swipe</a:t>
+            </a:r>
+          </a:p>
+        </p:txBody>
+      </p:sp>
+      <p:sp>
+        <p:nvSpPr>
+          <p:cNvPr id="6" name="Arrow: Right 5">
+            <a:extLst>
+              <a:ext uri="{FF2B5EF4-FFF2-40B4-BE49-F238E27FC236}">
+                <a16:creationId xmlns:a16="http://schemas.microsoft.com/office/drawing/2014/main" id="{E628C234-262C-4502-F2C1-3548BD1DA75E}"/>
+              </a:ext>
+            </a:extLst>
+          </p:cNvPr>
+          <p:cNvSpPr/>
+          <p:nvPr/>
+        </p:nvSpPr>
+        <p:spPr>
+          <a:xfrm>
+            <a:off x="3215484" y="3186682"/>
+            <a:ext cx="520576" cy="484632"/>
+          </a:xfrm>
+          <a:prstGeom prst="rightArrow">
+            <a:avLst/>
+          </a:prstGeom>
+          <a:ln>
+            <a:noFill/>
+          </a:ln>
+          <a:effectLst>
+            <a:outerShdw blurRad="50800" dist="38100" dir="2700000" algn="tl" rotWithShape="0">
+              <a:prstClr val="black">
+                <a:alpha val="40000"/>
+              </a:prstClr>
+            </a:outerShdw>
+          </a:effectLst>
+        </p:spPr>
+        <p:style>
+          <a:lnRef idx="3">
+            <a:schemeClr val="lt1"/>
+          </a:lnRef>
+          <a:fillRef idx="1">
+            <a:schemeClr val="accent6"/>
+          </a:fillRef>
+          <a:effectRef idx="1">
+            <a:schemeClr val="accent6"/>
+          </a:effectRef>
+          <a:fontRef idx="minor">
+            <a:schemeClr val="lt1"/>
+          </a:fontRef>
+        </p:style>
+        <p:txBody>
+          <a:bodyPr rtlCol="0" anchor="ctr"/>
+          <a:lstStyle/>
+          <a:p>
+            <a:pPr algn="ctr"/>
+            <a:endParaRPr lang="en-GB"/>
+          </a:p>
+        </p:txBody>
+      </p:sp>
+      <p:sp>
+        <p:nvSpPr>
+          <p:cNvPr id="10" name="TextBox 9">
+            <a:extLst>
+              <a:ext uri="{FF2B5EF4-FFF2-40B4-BE49-F238E27FC236}">
+                <a16:creationId xmlns:a16="http://schemas.microsoft.com/office/drawing/2014/main" id="{59AAEF1A-F017-D1B5-92E8-97B2FD31DBC6}"/>
+              </a:ext>
+            </a:extLst>
+          </p:cNvPr>
+          <p:cNvSpPr txBox="1"/>
+          <p:nvPr/>
+        </p:nvSpPr>
+        <p:spPr>
+          <a:xfrm>
+            <a:off x="3197330" y="2909682"/>
+            <a:ext cx="556884" cy="276999"/>
+          </a:xfrm>
+          <a:prstGeom prst="rect">
+            <a:avLst/>
+          </a:prstGeom>
+          <a:noFill/>
+        </p:spPr>
+        <p:txBody>
+          <a:bodyPr wrap="none" rtlCol="0">
+            <a:spAutoFit/>
+          </a:bodyPr>
+          <a:lstStyle/>
+          <a:p>
+            <a:pPr algn="ctr"/>
+            <a:r>
+              <a:rPr lang="en-GB" sz="1200" dirty="0"/>
+              <a:t>Swipe</a:t>
+            </a:r>
+          </a:p>
+        </p:txBody>
+      </p:sp>
+      <p:sp>
+        <p:nvSpPr>
+          <p:cNvPr id="12" name="TextBox 11">
+            <a:extLst>
+              <a:ext uri="{FF2B5EF4-FFF2-40B4-BE49-F238E27FC236}">
+                <a16:creationId xmlns:a16="http://schemas.microsoft.com/office/drawing/2014/main" id="{7DE4D0C6-C05F-EEC1-5FBD-646CB464CC77}"/>
+              </a:ext>
+            </a:extLst>
+          </p:cNvPr>
+          <p:cNvSpPr txBox="1"/>
+          <p:nvPr/>
+        </p:nvSpPr>
+        <p:spPr>
+          <a:xfrm>
+            <a:off x="2567379" y="3244332"/>
+            <a:ext cx="526106" cy="369332"/>
+          </a:xfrm>
+          <a:prstGeom prst="rect">
+            <a:avLst/>
+          </a:prstGeom>
+          <a:noFill/>
+        </p:spPr>
+        <p:txBody>
+          <a:bodyPr wrap="none" rtlCol="0">
+            <a:spAutoFit/>
+          </a:bodyPr>
+          <a:lstStyle/>
+          <a:p>
+            <a:pPr algn="r"/>
+            <a:r>
+              <a:rPr lang="en-GB" dirty="0"/>
+              <a:t>Exit</a:t>
+            </a:r>
+          </a:p>
+        </p:txBody>
+      </p:sp>
     </p:spTree>
     <p:extLst>
       <p:ext uri="{BB962C8B-B14F-4D97-AF65-F5344CB8AC3E}">
